--- a/minesweeper_study.pptx
+++ b/minesweeper_study.pptx
@@ -6,10 +6,11 @@
   </p:sldMasterIdLst>
   <p:sldIdLst>
     <p:sldId id="256" r:id="rId2"/>
-    <p:sldId id="257" r:id="rId3"/>
-    <p:sldId id="258" r:id="rId4"/>
-    <p:sldId id="260" r:id="rId5"/>
-    <p:sldId id="259" r:id="rId6"/>
+    <p:sldId id="261" r:id="rId3"/>
+    <p:sldId id="257" r:id="rId4"/>
+    <p:sldId id="258" r:id="rId5"/>
+    <p:sldId id="260" r:id="rId6"/>
+    <p:sldId id="259" r:id="rId7"/>
   </p:sldIdLst>
   <p:sldSz cx="9144000" cy="6858000" type="screen4x3"/>
   <p:notesSz cx="6858000" cy="9144000"/>
@@ -293,7 +294,7 @@
             <a:fld id="{1D8BD707-D9CF-40AE-B4C6-C98DA3205C09}" type="datetimeFigureOut">
               <a:rPr lang="en-US" smtClean="0"/>
               <a:pPr/>
-              <a:t>4/2/2022</a:t>
+              <a:t>4/18/2022</a:t>
             </a:fld>
             <a:endParaRPr lang="en-US"/>
           </a:p>
@@ -460,7 +461,7 @@
             <a:fld id="{1D8BD707-D9CF-40AE-B4C6-C98DA3205C09}" type="datetimeFigureOut">
               <a:rPr lang="en-US" smtClean="0"/>
               <a:pPr/>
-              <a:t>4/2/2022</a:t>
+              <a:t>4/18/2022</a:t>
             </a:fld>
             <a:endParaRPr lang="en-US"/>
           </a:p>
@@ -637,7 +638,7 @@
             <a:fld id="{1D8BD707-D9CF-40AE-B4C6-C98DA3205C09}" type="datetimeFigureOut">
               <a:rPr lang="en-US" smtClean="0"/>
               <a:pPr/>
-              <a:t>4/2/2022</a:t>
+              <a:t>4/18/2022</a:t>
             </a:fld>
             <a:endParaRPr lang="en-US"/>
           </a:p>
@@ -804,7 +805,7 @@
             <a:fld id="{1D8BD707-D9CF-40AE-B4C6-C98DA3205C09}" type="datetimeFigureOut">
               <a:rPr lang="en-US" smtClean="0"/>
               <a:pPr/>
-              <a:t>4/2/2022</a:t>
+              <a:t>4/18/2022</a:t>
             </a:fld>
             <a:endParaRPr lang="en-US"/>
           </a:p>
@@ -1047,7 +1048,7 @@
             <a:fld id="{1D8BD707-D9CF-40AE-B4C6-C98DA3205C09}" type="datetimeFigureOut">
               <a:rPr lang="en-US" smtClean="0"/>
               <a:pPr/>
-              <a:t>4/2/2022</a:t>
+              <a:t>4/18/2022</a:t>
             </a:fld>
             <a:endParaRPr lang="en-US"/>
           </a:p>
@@ -1332,7 +1333,7 @@
             <a:fld id="{1D8BD707-D9CF-40AE-B4C6-C98DA3205C09}" type="datetimeFigureOut">
               <a:rPr lang="en-US" smtClean="0"/>
               <a:pPr/>
-              <a:t>4/2/2022</a:t>
+              <a:t>4/18/2022</a:t>
             </a:fld>
             <a:endParaRPr lang="en-US"/>
           </a:p>
@@ -1751,7 +1752,7 @@
             <a:fld id="{1D8BD707-D9CF-40AE-B4C6-C98DA3205C09}" type="datetimeFigureOut">
               <a:rPr lang="en-US" smtClean="0"/>
               <a:pPr/>
-              <a:t>4/2/2022</a:t>
+              <a:t>4/18/2022</a:t>
             </a:fld>
             <a:endParaRPr lang="en-US"/>
           </a:p>
@@ -1866,7 +1867,7 @@
             <a:fld id="{1D8BD707-D9CF-40AE-B4C6-C98DA3205C09}" type="datetimeFigureOut">
               <a:rPr lang="en-US" smtClean="0"/>
               <a:pPr/>
-              <a:t>4/2/2022</a:t>
+              <a:t>4/18/2022</a:t>
             </a:fld>
             <a:endParaRPr lang="en-US"/>
           </a:p>
@@ -1958,7 +1959,7 @@
             <a:fld id="{1D8BD707-D9CF-40AE-B4C6-C98DA3205C09}" type="datetimeFigureOut">
               <a:rPr lang="en-US" smtClean="0"/>
               <a:pPr/>
-              <a:t>4/2/2022</a:t>
+              <a:t>4/18/2022</a:t>
             </a:fld>
             <a:endParaRPr lang="en-US"/>
           </a:p>
@@ -2232,7 +2233,7 @@
             <a:fld id="{1D8BD707-D9CF-40AE-B4C6-C98DA3205C09}" type="datetimeFigureOut">
               <a:rPr lang="en-US" smtClean="0"/>
               <a:pPr/>
-              <a:t>4/2/2022</a:t>
+              <a:t>4/18/2022</a:t>
             </a:fld>
             <a:endParaRPr lang="en-US"/>
           </a:p>
@@ -2482,7 +2483,7 @@
             <a:fld id="{1D8BD707-D9CF-40AE-B4C6-C98DA3205C09}" type="datetimeFigureOut">
               <a:rPr lang="en-US" smtClean="0"/>
               <a:pPr/>
-              <a:t>4/2/2022</a:t>
+              <a:t>4/18/2022</a:t>
             </a:fld>
             <a:endParaRPr lang="en-US"/>
           </a:p>
@@ -2692,7 +2693,7 @@
             <a:fld id="{1D8BD707-D9CF-40AE-B4C6-C98DA3205C09}" type="datetimeFigureOut">
               <a:rPr lang="en-US" smtClean="0"/>
               <a:pPr/>
-              <a:t>4/2/2022</a:t>
+              <a:t>4/18/2022</a:t>
             </a:fld>
             <a:endParaRPr lang="en-US"/>
           </a:p>
@@ -3126,38 +3127,6 @@
           <a:chExt cx="0" cy="0"/>
         </a:xfrm>
       </p:grpSpPr>
-      <p:pic>
-        <p:nvPicPr>
-          <p:cNvPr id="1027" name="Picture 3"/>
-          <p:cNvPicPr>
-            <a:picLocks noChangeAspect="1" noChangeArrowheads="1"/>
-          </p:cNvPicPr>
-          <p:nvPr/>
-        </p:nvPicPr>
-        <p:blipFill>
-          <a:blip r:embed="rId2" cstate="print"/>
-          <a:srcRect/>
-          <a:stretch>
-            <a:fillRect/>
-          </a:stretch>
-        </p:blipFill>
-        <p:spPr bwMode="auto">
-          <a:xfrm>
-            <a:off x="1676400" y="1066800"/>
-            <a:ext cx="5648325" cy="5581650"/>
-          </a:xfrm>
-          <a:prstGeom prst="rect">
-            <a:avLst/>
-          </a:prstGeom>
-          <a:noFill/>
-          <a:ln w="9525">
-            <a:noFill/>
-            <a:miter lim="800000"/>
-            <a:headEnd/>
-            <a:tailEnd/>
-          </a:ln>
-        </p:spPr>
-      </p:pic>
       <p:sp>
         <p:nvSpPr>
           <p:cNvPr id="2" name="Title 1"/>
@@ -3168,173 +3137,14 @@
             <p:ph type="title"/>
           </p:nvPr>
         </p:nvSpPr>
-        <p:spPr>
-          <a:xfrm>
-            <a:off x="457200" y="274638"/>
-            <a:ext cx="7772400" cy="411162"/>
-          </a:xfrm>
-        </p:spPr>
-        <p:txBody>
-          <a:bodyPr>
-            <a:noAutofit/>
-          </a:bodyPr>
-          <a:lstStyle/>
-          <a:p>
-            <a:pPr algn="l"/>
-            <a:r>
-              <a:rPr lang="en-US" sz="2400" dirty="0" smtClean="0"/>
-              <a:t>The size of each box is 20x20 pixels.</a:t>
-            </a:r>
-            <a:endParaRPr lang="en-US" sz="2400" dirty="0"/>
-          </a:p>
-        </p:txBody>
-      </p:sp>
-      <p:sp>
-        <p:nvSpPr>
-          <p:cNvPr id="5" name="Rectangle 4"/>
-          <p:cNvSpPr/>
-          <p:nvPr/>
-        </p:nvSpPr>
-        <p:spPr>
-          <a:xfrm>
-            <a:off x="2971800" y="2209800"/>
-            <a:ext cx="1981200" cy="1981200"/>
-          </a:xfrm>
-          <a:prstGeom prst="rect">
-            <a:avLst/>
-          </a:prstGeom>
-          <a:noFill/>
-          <a:ln w="50800">
-            <a:solidFill>
-              <a:srgbClr val="C00000"/>
-            </a:solidFill>
-            <a:prstDash val="dash"/>
-          </a:ln>
-        </p:spPr>
-        <p:style>
-          <a:lnRef idx="2">
-            <a:schemeClr val="accent1">
-              <a:shade val="50000"/>
-            </a:schemeClr>
-          </a:lnRef>
-          <a:fillRef idx="1">
-            <a:schemeClr val="accent1"/>
-          </a:fillRef>
-          <a:effectRef idx="0">
-            <a:schemeClr val="accent1"/>
-          </a:effectRef>
-          <a:fontRef idx="minor">
-            <a:schemeClr val="lt1"/>
-          </a:fontRef>
-        </p:style>
-        <p:txBody>
-          <a:bodyPr rtlCol="0" anchor="ctr"/>
-          <a:lstStyle/>
-          <a:p>
-            <a:pPr algn="ctr"/>
-            <a:endParaRPr lang="en-US"/>
-          </a:p>
-        </p:txBody>
-      </p:sp>
-      <p:cxnSp>
-        <p:nvCxnSpPr>
-          <p:cNvPr id="7" name="Straight Arrow Connector 6"/>
-          <p:cNvCxnSpPr/>
-          <p:nvPr/>
-        </p:nvCxnSpPr>
-        <p:spPr>
-          <a:xfrm flipH="1">
-            <a:off x="1143000" y="2286000"/>
-            <a:ext cx="1905000" cy="457200"/>
-          </a:xfrm>
-          <a:prstGeom prst="straightConnector1">
-            <a:avLst/>
-          </a:prstGeom>
-          <a:ln w="34925">
-            <a:tailEnd type="arrow"/>
-          </a:ln>
-        </p:spPr>
-        <p:style>
-          <a:lnRef idx="1">
-            <a:schemeClr val="accent1"/>
-          </a:lnRef>
-          <a:fillRef idx="0">
-            <a:schemeClr val="accent1"/>
-          </a:fillRef>
-          <a:effectRef idx="0">
-            <a:schemeClr val="accent1"/>
-          </a:effectRef>
-          <a:fontRef idx="minor">
-            <a:schemeClr val="tx1"/>
-          </a:fontRef>
-        </p:style>
-      </p:cxnSp>
-      <p:cxnSp>
-        <p:nvCxnSpPr>
-          <p:cNvPr id="8" name="Straight Arrow Connector 7"/>
-          <p:cNvCxnSpPr/>
-          <p:nvPr/>
-        </p:nvCxnSpPr>
-        <p:spPr>
-          <a:xfrm>
-            <a:off x="4876800" y="4114800"/>
-            <a:ext cx="2819400" cy="228600"/>
-          </a:xfrm>
-          <a:prstGeom prst="straightConnector1">
-            <a:avLst/>
-          </a:prstGeom>
-          <a:ln w="34925">
-            <a:tailEnd type="arrow"/>
-          </a:ln>
-        </p:spPr>
-        <p:style>
-          <a:lnRef idx="1">
-            <a:schemeClr val="accent1"/>
-          </a:lnRef>
-          <a:fillRef idx="0">
-            <a:schemeClr val="accent1"/>
-          </a:fillRef>
-          <a:effectRef idx="0">
-            <a:schemeClr val="accent1"/>
-          </a:effectRef>
-          <a:fontRef idx="minor">
-            <a:schemeClr val="tx1"/>
-          </a:fontRef>
-        </p:style>
-      </p:cxnSp>
-      <p:sp>
-        <p:nvSpPr>
-          <p:cNvPr id="11" name="TextBox 10"/>
-          <p:cNvSpPr txBox="1"/>
-          <p:nvPr/>
-        </p:nvSpPr>
-        <p:spPr>
-          <a:xfrm>
-            <a:off x="152400" y="2590800"/>
-            <a:ext cx="1143000" cy="381000"/>
-          </a:xfrm>
-          <a:prstGeom prst="rect">
-            <a:avLst/>
-          </a:prstGeom>
-          <a:noFill/>
-        </p:spPr>
-        <p:txBody>
-          <a:bodyPr wrap="square" rtlCol="0">
-            <a:spAutoFit/>
-          </a:bodyPr>
-          <a:lstStyle/>
-          <a:p>
-            <a:r>
-              <a:rPr lang="en-US" altLang="zh-TW" dirty="0" smtClean="0"/>
-              <a:t>(</a:t>
-            </a:r>
-            <a:r>
-              <a:rPr lang="en-US" altLang="zh-TW" dirty="0" smtClean="0"/>
-              <a:t>19</a:t>
-            </a:r>
-            <a:r>
-              <a:rPr lang="en-US" altLang="zh-TW" dirty="0" smtClean="0"/>
-              <a:t>, 127) </a:t>
+        <p:spPr/>
+        <p:txBody>
+          <a:bodyPr/>
+          <a:lstStyle/>
+          <a:p>
+            <a:r>
+              <a:rPr lang="en-US" dirty="0" smtClean="0"/>
+              <a:t>Rule-based AI for Minesweeper</a:t>
             </a:r>
             <a:endParaRPr lang="en-US" dirty="0"/>
           </a:p>
@@ -3342,35 +3152,116 @@
       </p:sp>
       <p:sp>
         <p:nvSpPr>
-          <p:cNvPr id="17" name="TextBox 16"/>
-          <p:cNvSpPr txBox="1"/>
-          <p:nvPr/>
-        </p:nvSpPr>
-        <p:spPr>
-          <a:xfrm>
-            <a:off x="7772400" y="4191000"/>
-            <a:ext cx="990600" cy="381000"/>
-          </a:xfrm>
-          <a:prstGeom prst="rect">
-            <a:avLst/>
-          </a:prstGeom>
-          <a:noFill/>
-        </p:spPr>
-        <p:txBody>
-          <a:bodyPr wrap="square" rtlCol="0">
-            <a:spAutoFit/>
-          </a:bodyPr>
-          <a:lstStyle/>
-          <a:p>
-            <a:r>
-              <a:rPr lang="en-US" altLang="zh-TW" dirty="0" smtClean="0"/>
-              <a:t>(</a:t>
-            </a:r>
-            <a:r>
-              <a:rPr lang="en-US" altLang="zh-TW" dirty="0" smtClean="0"/>
-              <a:t>38, 146) </a:t>
-            </a:r>
-            <a:endParaRPr lang="en-US" dirty="0"/>
+          <p:cNvPr id="3" name="Content Placeholder 2"/>
+          <p:cNvSpPr>
+            <a:spLocks noGrp="1"/>
+          </p:cNvSpPr>
+          <p:nvPr>
+            <p:ph idx="1"/>
+          </p:nvPr>
+        </p:nvSpPr>
+        <p:spPr/>
+        <p:txBody>
+          <a:bodyPr/>
+          <a:lstStyle/>
+          <a:p>
+            <a:pPr>
+              <a:buNone/>
+            </a:pPr>
+            <a:r>
+              <a:rPr lang="en-US" dirty="0" smtClean="0"/>
+              <a:t>High Level Overview:</a:t>
+            </a:r>
+          </a:p>
+          <a:p>
+            <a:r>
+              <a:rPr lang="en-US" sz="2000" dirty="0" smtClean="0"/>
+              <a:t>Download the </a:t>
+            </a:r>
+            <a:r>
+              <a:rPr lang="en-US" sz="2000" dirty="0" smtClean="0"/>
+              <a:t>minesweeper </a:t>
+            </a:r>
+            <a:r>
+              <a:rPr lang="en-US" sz="2000" dirty="0" smtClean="0"/>
+              <a:t>game </a:t>
+            </a:r>
+            <a:r>
+              <a:rPr lang="en-US" sz="2000" dirty="0" smtClean="0"/>
+              <a:t>at </a:t>
+            </a:r>
+            <a:r>
+              <a:rPr lang="en-US" sz="2000" dirty="0" smtClean="0">
+                <a:hlinkClick r:id="rId2"/>
+              </a:rPr>
+              <a:t>https://</a:t>
+            </a:r>
+            <a:r>
+              <a:rPr lang="en-US" sz="2000" dirty="0" smtClean="0">
+                <a:hlinkClick r:id="rId2"/>
+              </a:rPr>
+              <a:t>minesweepergame.com/download/minesweeper-x.php</a:t>
+            </a:r>
+            <a:endParaRPr lang="en-US" sz="2000" dirty="0" smtClean="0"/>
+          </a:p>
+          <a:p>
+            <a:r>
+              <a:rPr lang="en-US" sz="2000" dirty="0" smtClean="0"/>
+              <a:t>Use </a:t>
+            </a:r>
+            <a:r>
+              <a:rPr lang="en-US" sz="2000" dirty="0" err="1" smtClean="0"/>
+              <a:t>PyGetWindow</a:t>
+            </a:r>
+            <a:r>
+              <a:rPr lang="en-US" sz="2000" dirty="0" smtClean="0"/>
+              <a:t> library to get the game window size and pixel positions</a:t>
+            </a:r>
+          </a:p>
+          <a:p>
+            <a:r>
+              <a:rPr lang="en-US" sz="2000" dirty="0" smtClean="0"/>
+              <a:t>Use Pillow and </a:t>
+            </a:r>
+            <a:r>
+              <a:rPr lang="en-US" sz="2000" dirty="0" err="1" smtClean="0"/>
+              <a:t>OpenCV</a:t>
+            </a:r>
+            <a:r>
+              <a:rPr lang="en-US" sz="2000" dirty="0" smtClean="0"/>
+              <a:t> libraries to take snapshots of the game window and perform image processing.</a:t>
+            </a:r>
+          </a:p>
+          <a:p>
+            <a:r>
+              <a:rPr lang="en-US" sz="2000" dirty="0" smtClean="0"/>
+              <a:t>Use Paint.NET to find the detailed pixel information within the game window.</a:t>
+            </a:r>
+          </a:p>
+          <a:p>
+            <a:r>
+              <a:rPr lang="en-US" sz="2000" dirty="0" smtClean="0"/>
+              <a:t>Write a function that converts these snapshots of the game window into a </a:t>
+            </a:r>
+            <a:r>
+              <a:rPr lang="en-US" sz="2000" dirty="0" err="1" smtClean="0"/>
+              <a:t>numpy</a:t>
+            </a:r>
+            <a:r>
+              <a:rPr lang="en-US" sz="2000" dirty="0" smtClean="0"/>
+              <a:t> array</a:t>
+            </a:r>
+          </a:p>
+          <a:p>
+            <a:r>
+              <a:rPr lang="en-US" sz="2000" dirty="0" smtClean="0"/>
+              <a:t>Write a </a:t>
+            </a:r>
+            <a:r>
+              <a:rPr lang="en-US" sz="2000" smtClean="0"/>
+              <a:t>function that </a:t>
+            </a:r>
+            <a:endParaRPr lang="en-US" sz="2000" dirty="0"/>
           </a:p>
         </p:txBody>
       </p:sp>
@@ -3399,56 +3290,9 @@
           <a:chExt cx="0" cy="0"/>
         </a:xfrm>
       </p:grpSpPr>
-      <p:sp>
-        <p:nvSpPr>
-          <p:cNvPr id="2" name="Title 1"/>
-          <p:cNvSpPr>
-            <a:spLocks noGrp="1"/>
-          </p:cNvSpPr>
-          <p:nvPr>
-            <p:ph type="title"/>
-          </p:nvPr>
-        </p:nvSpPr>
-        <p:spPr>
-          <a:xfrm>
-            <a:off x="457200" y="274638"/>
-            <a:ext cx="8229600" cy="639762"/>
-          </a:xfrm>
-        </p:spPr>
-        <p:txBody>
-          <a:bodyPr>
-            <a:noAutofit/>
-          </a:bodyPr>
-          <a:lstStyle/>
-          <a:p>
-            <a:pPr algn="l"/>
-            <a:r>
-              <a:rPr lang="en-US" sz="2400" dirty="0" smtClean="0"/>
-              <a:t>The pixel position at the lowest right of these boxes is always at (width – </a:t>
-            </a:r>
-            <a:r>
-              <a:rPr lang="en-US" sz="2400" dirty="0" smtClean="0"/>
-              <a:t>20</a:t>
-            </a:r>
-            <a:r>
-              <a:rPr lang="en-US" sz="2400" dirty="0" smtClean="0"/>
-              <a:t>, </a:t>
-            </a:r>
-            <a:r>
-              <a:rPr lang="en-US" sz="2400" dirty="0" smtClean="0"/>
-              <a:t>height – </a:t>
-            </a:r>
-            <a:r>
-              <a:rPr lang="en-US" sz="2400" dirty="0" smtClean="0"/>
-              <a:t>19) </a:t>
-            </a:r>
-            <a:endParaRPr lang="en-US" sz="2400" dirty="0"/>
-          </a:p>
-        </p:txBody>
-      </p:sp>
       <p:pic>
         <p:nvPicPr>
-          <p:cNvPr id="2051" name="Picture 3"/>
+          <p:cNvPr id="1027" name="Picture 3"/>
           <p:cNvPicPr>
             <a:picLocks noChangeAspect="1" noChangeArrowheads="1"/>
           </p:cNvPicPr>
@@ -3463,8 +3307,8 @@
         </p:blipFill>
         <p:spPr bwMode="auto">
           <a:xfrm>
-            <a:off x="1219200" y="1676400"/>
-            <a:ext cx="2144079" cy="3200399"/>
+            <a:off x="1676400" y="1066800"/>
+            <a:ext cx="5648325" cy="5581650"/>
           </a:xfrm>
           <a:prstGeom prst="rect">
             <a:avLst/>
@@ -3478,334 +3322,99 @@
           </a:ln>
         </p:spPr>
       </p:pic>
-      <p:pic>
-        <p:nvPicPr>
-          <p:cNvPr id="2052" name="Picture 4"/>
-          <p:cNvPicPr>
-            <a:picLocks noChangeAspect="1" noChangeArrowheads="1"/>
-          </p:cNvPicPr>
+      <p:sp>
+        <p:nvSpPr>
+          <p:cNvPr id="2" name="Title 1"/>
+          <p:cNvSpPr>
+            <a:spLocks noGrp="1"/>
+          </p:cNvSpPr>
+          <p:nvPr>
+            <p:ph type="title"/>
+          </p:nvPr>
+        </p:nvSpPr>
+        <p:spPr>
+          <a:xfrm>
+            <a:off x="457200" y="274638"/>
+            <a:ext cx="7772400" cy="411162"/>
+          </a:xfrm>
+        </p:spPr>
+        <p:txBody>
+          <a:bodyPr>
+            <a:noAutofit/>
+          </a:bodyPr>
+          <a:lstStyle/>
+          <a:p>
+            <a:pPr algn="l"/>
+            <a:r>
+              <a:rPr lang="en-US" sz="2400" dirty="0" smtClean="0"/>
+              <a:t>The size of each box is 20x20 pixels.</a:t>
+            </a:r>
+            <a:endParaRPr lang="en-US" sz="2400" dirty="0"/>
+          </a:p>
+        </p:txBody>
+      </p:sp>
+      <p:sp>
+        <p:nvSpPr>
+          <p:cNvPr id="5" name="Rectangle 4"/>
+          <p:cNvSpPr/>
           <p:nvPr/>
-        </p:nvPicPr>
-        <p:blipFill>
-          <a:blip r:embed="rId3" cstate="print"/>
-          <a:srcRect/>
-          <a:stretch>
-            <a:fillRect/>
-          </a:stretch>
-        </p:blipFill>
-        <p:spPr bwMode="auto">
+        </p:nvSpPr>
+        <p:spPr>
           <a:xfrm>
-            <a:off x="4572000" y="1524000"/>
-            <a:ext cx="3670300" cy="4692650"/>
+            <a:off x="2971800" y="2209800"/>
+            <a:ext cx="1981200" cy="1981200"/>
           </a:xfrm>
           <a:prstGeom prst="rect">
             <a:avLst/>
           </a:prstGeom>
           <a:noFill/>
-          <a:ln w="9525">
-            <a:noFill/>
-            <a:miter lim="800000"/>
-            <a:headEnd/>
-            <a:tailEnd/>
+          <a:ln w="50800">
+            <a:solidFill>
+              <a:srgbClr val="C00000"/>
+            </a:solidFill>
+            <a:prstDash val="dash"/>
           </a:ln>
         </p:spPr>
-      </p:pic>
-      <p:cxnSp>
-        <p:nvCxnSpPr>
-          <p:cNvPr id="9" name="Straight Arrow Connector 8"/>
-          <p:cNvCxnSpPr/>
-          <p:nvPr/>
-        </p:nvCxnSpPr>
-        <p:spPr>
-          <a:xfrm flipH="1" flipV="1">
-            <a:off x="762000" y="2667000"/>
-            <a:ext cx="838200" cy="457200"/>
-          </a:xfrm>
-          <a:prstGeom prst="straightConnector1">
-            <a:avLst/>
-          </a:prstGeom>
-          <a:ln w="34925">
-            <a:tailEnd type="arrow"/>
-          </a:ln>
-        </p:spPr>
         <p:style>
-          <a:lnRef idx="1">
-            <a:schemeClr val="accent1"/>
+          <a:lnRef idx="2">
+            <a:schemeClr val="accent1">
+              <a:shade val="50000"/>
+            </a:schemeClr>
           </a:lnRef>
-          <a:fillRef idx="0">
+          <a:fillRef idx="1">
             <a:schemeClr val="accent1"/>
           </a:fillRef>
           <a:effectRef idx="0">
             <a:schemeClr val="accent1"/>
           </a:effectRef>
           <a:fontRef idx="minor">
-            <a:schemeClr val="tx1"/>
+            <a:schemeClr val="lt1"/>
           </a:fontRef>
         </p:style>
-      </p:cxnSp>
-      <p:sp>
-        <p:nvSpPr>
-          <p:cNvPr id="10" name="TextBox 9"/>
-          <p:cNvSpPr txBox="1"/>
-          <p:nvPr/>
-        </p:nvSpPr>
-        <p:spPr>
-          <a:xfrm>
-            <a:off x="0" y="2362200"/>
-            <a:ext cx="990600" cy="381000"/>
-          </a:xfrm>
-          <a:prstGeom prst="rect">
-            <a:avLst/>
-          </a:prstGeom>
-          <a:noFill/>
-        </p:spPr>
-        <p:txBody>
-          <a:bodyPr wrap="square" rtlCol="0">
-            <a:spAutoFit/>
-          </a:bodyPr>
-          <a:lstStyle/>
-          <a:p>
-            <a:r>
-              <a:rPr lang="en-US" altLang="zh-TW" dirty="0" smtClean="0"/>
-              <a:t>(</a:t>
-            </a:r>
-            <a:r>
-              <a:rPr lang="en-US" altLang="zh-TW" dirty="0" smtClean="0"/>
-              <a:t>19</a:t>
-            </a:r>
-            <a:r>
-              <a:rPr lang="en-US" altLang="zh-TW" dirty="0" smtClean="0"/>
-              <a:t>, 127) </a:t>
-            </a:r>
-            <a:endParaRPr lang="en-US" dirty="0"/>
+        <p:txBody>
+          <a:bodyPr rtlCol="0" anchor="ctr"/>
+          <a:lstStyle/>
+          <a:p>
+            <a:pPr algn="ctr"/>
+            <a:endParaRPr lang="en-US"/>
           </a:p>
         </p:txBody>
       </p:sp>
       <p:cxnSp>
         <p:nvCxnSpPr>
-          <p:cNvPr id="15" name="Straight Arrow Connector 14"/>
+          <p:cNvPr id="7" name="Straight Arrow Connector 6"/>
           <p:cNvCxnSpPr/>
           <p:nvPr/>
         </p:nvCxnSpPr>
         <p:spPr>
-          <a:xfrm flipH="1" flipV="1">
-            <a:off x="4343400" y="1676400"/>
-            <a:ext cx="609600" cy="1219200"/>
+          <a:xfrm flipH="1">
+            <a:off x="1143000" y="2286000"/>
+            <a:ext cx="1905000" cy="457200"/>
           </a:xfrm>
           <a:prstGeom prst="straightConnector1">
             <a:avLst/>
           </a:prstGeom>
           <a:ln w="34925">
-            <a:tailEnd type="arrow"/>
-          </a:ln>
-        </p:spPr>
-        <p:style>
-          <a:lnRef idx="1">
-            <a:schemeClr val="accent1"/>
-          </a:lnRef>
-          <a:fillRef idx="0">
-            <a:schemeClr val="accent1"/>
-          </a:fillRef>
-          <a:effectRef idx="0">
-            <a:schemeClr val="accent1"/>
-          </a:effectRef>
-          <a:fontRef idx="minor">
-            <a:schemeClr val="tx1"/>
-          </a:fontRef>
-        </p:style>
-      </p:cxnSp>
-      <p:sp>
-        <p:nvSpPr>
-          <p:cNvPr id="16" name="TextBox 15"/>
-          <p:cNvSpPr txBox="1"/>
-          <p:nvPr/>
-        </p:nvSpPr>
-        <p:spPr>
-          <a:xfrm>
-            <a:off x="3581400" y="1371600"/>
-            <a:ext cx="990600" cy="381000"/>
-          </a:xfrm>
-          <a:prstGeom prst="rect">
-            <a:avLst/>
-          </a:prstGeom>
-          <a:noFill/>
-        </p:spPr>
-        <p:txBody>
-          <a:bodyPr wrap="square" rtlCol="0">
-            <a:spAutoFit/>
-          </a:bodyPr>
-          <a:lstStyle/>
-          <a:p>
-            <a:r>
-              <a:rPr lang="en-US" altLang="zh-TW" dirty="0" smtClean="0"/>
-              <a:t>(</a:t>
-            </a:r>
-            <a:r>
-              <a:rPr lang="en-US" altLang="zh-TW" dirty="0" smtClean="0"/>
-              <a:t>19</a:t>
-            </a:r>
-            <a:r>
-              <a:rPr lang="en-US" altLang="zh-TW" dirty="0" smtClean="0"/>
-              <a:t>, 127) </a:t>
-            </a:r>
-            <a:endParaRPr lang="en-US" dirty="0"/>
-          </a:p>
-        </p:txBody>
-      </p:sp>
-      <p:cxnSp>
-        <p:nvCxnSpPr>
-          <p:cNvPr id="19" name="Straight Arrow Connector 18"/>
-          <p:cNvCxnSpPr/>
-          <p:nvPr/>
-        </p:nvCxnSpPr>
-        <p:spPr>
-          <a:xfrm>
-            <a:off x="3124200" y="4648200"/>
-            <a:ext cx="381000" cy="762000"/>
-          </a:xfrm>
-          <a:prstGeom prst="straightConnector1">
-            <a:avLst/>
-          </a:prstGeom>
-          <a:ln w="34925">
-            <a:tailEnd type="arrow"/>
-          </a:ln>
-        </p:spPr>
-        <p:style>
-          <a:lnRef idx="1">
-            <a:schemeClr val="accent1"/>
-          </a:lnRef>
-          <a:fillRef idx="0">
-            <a:schemeClr val="accent1"/>
-          </a:fillRef>
-          <a:effectRef idx="0">
-            <a:schemeClr val="accent1"/>
-          </a:effectRef>
-          <a:fontRef idx="minor">
-            <a:schemeClr val="tx1"/>
-          </a:fontRef>
-        </p:style>
-      </p:cxnSp>
-      <p:sp>
-        <p:nvSpPr>
-          <p:cNvPr id="22" name="TextBox 21"/>
-          <p:cNvSpPr txBox="1"/>
-          <p:nvPr/>
-        </p:nvSpPr>
-        <p:spPr>
-          <a:xfrm>
-            <a:off x="2895600" y="5334000"/>
-            <a:ext cx="1143000" cy="369332"/>
-          </a:xfrm>
-          <a:prstGeom prst="rect">
-            <a:avLst/>
-          </a:prstGeom>
-          <a:noFill/>
-        </p:spPr>
-        <p:txBody>
-          <a:bodyPr wrap="square" rtlCol="0">
-            <a:spAutoFit/>
-          </a:bodyPr>
-          <a:lstStyle/>
-          <a:p>
-            <a:r>
-              <a:rPr lang="en-US" altLang="zh-TW" dirty="0" smtClean="0"/>
-              <a:t>(</a:t>
-            </a:r>
-            <a:r>
-              <a:rPr lang="en-US" altLang="zh-TW" dirty="0" smtClean="0"/>
-              <a:t>178, 286) </a:t>
-            </a:r>
-            <a:endParaRPr lang="en-US" dirty="0"/>
-          </a:p>
-        </p:txBody>
-      </p:sp>
-      <p:cxnSp>
-        <p:nvCxnSpPr>
-          <p:cNvPr id="24" name="Straight Arrow Connector 23"/>
-          <p:cNvCxnSpPr/>
-          <p:nvPr/>
-        </p:nvCxnSpPr>
-        <p:spPr>
-          <a:xfrm>
-            <a:off x="8001000" y="5943600"/>
-            <a:ext cx="304800" cy="533400"/>
-          </a:xfrm>
-          <a:prstGeom prst="straightConnector1">
-            <a:avLst/>
-          </a:prstGeom>
-          <a:ln w="34925">
-            <a:tailEnd type="arrow"/>
-          </a:ln>
-        </p:spPr>
-        <p:style>
-          <a:lnRef idx="1">
-            <a:schemeClr val="accent1"/>
-          </a:lnRef>
-          <a:fillRef idx="0">
-            <a:schemeClr val="accent1"/>
-          </a:fillRef>
-          <a:effectRef idx="0">
-            <a:schemeClr val="accent1"/>
-          </a:effectRef>
-          <a:fontRef idx="minor">
-            <a:schemeClr val="tx1"/>
-          </a:fontRef>
-        </p:style>
-      </p:cxnSp>
-      <p:sp>
-        <p:nvSpPr>
-          <p:cNvPr id="25" name="TextBox 24"/>
-          <p:cNvSpPr txBox="1"/>
-          <p:nvPr/>
-        </p:nvSpPr>
-        <p:spPr>
-          <a:xfrm>
-            <a:off x="7924800" y="6400800"/>
-            <a:ext cx="1066800" cy="369332"/>
-          </a:xfrm>
-          <a:prstGeom prst="rect">
-            <a:avLst/>
-          </a:prstGeom>
-          <a:noFill/>
-        </p:spPr>
-        <p:txBody>
-          <a:bodyPr wrap="square" rtlCol="0">
-            <a:spAutoFit/>
-          </a:bodyPr>
-          <a:lstStyle/>
-          <a:p>
-            <a:r>
-              <a:rPr lang="en-US" altLang="zh-TW" dirty="0" smtClean="0"/>
-              <a:t>(</a:t>
-            </a:r>
-            <a:r>
-              <a:rPr lang="en-US" altLang="zh-TW" dirty="0" smtClean="0"/>
-              <a:t>338, 446) </a:t>
-            </a:r>
-            <a:endParaRPr lang="en-US" dirty="0"/>
-          </a:p>
-        </p:txBody>
-      </p:sp>
-      <p:cxnSp>
-        <p:nvCxnSpPr>
-          <p:cNvPr id="33" name="Straight Arrow Connector 32"/>
-          <p:cNvCxnSpPr/>
-          <p:nvPr/>
-        </p:nvCxnSpPr>
-        <p:spPr>
-          <a:xfrm>
-            <a:off x="3505200" y="1981200"/>
-            <a:ext cx="0" cy="2819400"/>
-          </a:xfrm>
-          <a:prstGeom prst="straightConnector1">
-            <a:avLst/>
-          </a:prstGeom>
-          <a:ln w="34925">
-            <a:solidFill>
-              <a:srgbClr val="C00000"/>
-            </a:solidFill>
-            <a:prstDash val="dash"/>
-            <a:headEnd type="arrow"/>
             <a:tailEnd type="arrow"/>
           </a:ln>
         </p:spPr>
@@ -3826,24 +3435,19 @@
       </p:cxnSp>
       <p:cxnSp>
         <p:nvCxnSpPr>
-          <p:cNvPr id="34" name="Straight Arrow Connector 33"/>
+          <p:cNvPr id="8" name="Straight Arrow Connector 7"/>
           <p:cNvCxnSpPr/>
           <p:nvPr/>
         </p:nvCxnSpPr>
         <p:spPr>
           <a:xfrm>
-            <a:off x="8382000" y="1752600"/>
-            <a:ext cx="0" cy="4343400"/>
+            <a:off x="4876800" y="4114800"/>
+            <a:ext cx="2819400" cy="228600"/>
           </a:xfrm>
           <a:prstGeom prst="straightConnector1">
             <a:avLst/>
           </a:prstGeom>
           <a:ln w="34925">
-            <a:solidFill>
-              <a:srgbClr val="C00000"/>
-            </a:solidFill>
-            <a:prstDash val="dash"/>
-            <a:headEnd type="arrow"/>
             <a:tailEnd type="arrow"/>
           </a:ln>
         </p:spPr>
@@ -3864,14 +3468,14 @@
       </p:cxnSp>
       <p:sp>
         <p:nvSpPr>
-          <p:cNvPr id="39" name="TextBox 38"/>
+          <p:cNvPr id="11" name="TextBox 10"/>
           <p:cNvSpPr txBox="1"/>
           <p:nvPr/>
         </p:nvSpPr>
         <p:spPr>
-          <a:xfrm rot="5400000">
-            <a:off x="3004066" y="3168134"/>
-            <a:ext cx="1371600" cy="369332"/>
+          <a:xfrm>
+            <a:off x="152400" y="2590800"/>
+            <a:ext cx="1143000" cy="381000"/>
           </a:xfrm>
           <a:prstGeom prst="rect">
             <a:avLst/>
@@ -3884,63 +3488,24 @@
           </a:bodyPr>
           <a:lstStyle/>
           <a:p>
-            <a:pPr algn="ctr"/>
-            <a:r>
-              <a:rPr lang="en-US" dirty="0" smtClean="0"/>
-              <a:t>305 pixels</a:t>
+            <a:r>
+              <a:rPr lang="en-US" altLang="zh-TW" dirty="0" smtClean="0"/>
+              <a:t>(19, 127) </a:t>
             </a:r>
             <a:endParaRPr lang="en-US" dirty="0"/>
           </a:p>
         </p:txBody>
       </p:sp>
-      <p:cxnSp>
-        <p:nvCxnSpPr>
-          <p:cNvPr id="40" name="Straight Arrow Connector 39"/>
-          <p:cNvCxnSpPr/>
-          <p:nvPr/>
-        </p:nvCxnSpPr>
-        <p:spPr>
-          <a:xfrm flipH="1">
-            <a:off x="1447800" y="1828800"/>
-            <a:ext cx="1828800" cy="0"/>
-          </a:xfrm>
-          <a:prstGeom prst="straightConnector1">
-            <a:avLst/>
-          </a:prstGeom>
-          <a:ln w="34925">
-            <a:solidFill>
-              <a:srgbClr val="C00000"/>
-            </a:solidFill>
-            <a:prstDash val="dash"/>
-            <a:headEnd type="arrow"/>
-            <a:tailEnd type="arrow"/>
-          </a:ln>
-        </p:spPr>
-        <p:style>
-          <a:lnRef idx="1">
-            <a:schemeClr val="accent1"/>
-          </a:lnRef>
-          <a:fillRef idx="0">
-            <a:schemeClr val="accent1"/>
-          </a:fillRef>
-          <a:effectRef idx="0">
-            <a:schemeClr val="accent1"/>
-          </a:effectRef>
-          <a:fontRef idx="minor">
-            <a:schemeClr val="tx1"/>
-          </a:fontRef>
-        </p:style>
-      </p:cxnSp>
-      <p:sp>
-        <p:nvSpPr>
-          <p:cNvPr id="43" name="TextBox 42"/>
+      <p:sp>
+        <p:nvSpPr>
+          <p:cNvPr id="17" name="TextBox 16"/>
           <p:cNvSpPr txBox="1"/>
           <p:nvPr/>
         </p:nvSpPr>
         <p:spPr>
           <a:xfrm>
-            <a:off x="1752600" y="1371600"/>
-            <a:ext cx="1219200" cy="369332"/>
+            <a:off x="7772400" y="4191000"/>
+            <a:ext cx="990600" cy="381000"/>
           </a:xfrm>
           <a:prstGeom prst="rect">
             <a:avLst/>
@@ -3954,108 +3519,8 @@
           <a:lstStyle/>
           <a:p>
             <a:r>
-              <a:rPr lang="en-US" dirty="0" smtClean="0"/>
-              <a:t>198 pixels</a:t>
-            </a:r>
-            <a:endParaRPr lang="en-US" dirty="0"/>
-          </a:p>
-        </p:txBody>
-      </p:sp>
-      <p:cxnSp>
-        <p:nvCxnSpPr>
-          <p:cNvPr id="44" name="Straight Arrow Connector 43"/>
-          <p:cNvCxnSpPr/>
-          <p:nvPr/>
-        </p:nvCxnSpPr>
-        <p:spPr>
-          <a:xfrm flipH="1">
-            <a:off x="4800600" y="1600200"/>
-            <a:ext cx="3352800" cy="0"/>
-          </a:xfrm>
-          <a:prstGeom prst="straightConnector1">
-            <a:avLst/>
-          </a:prstGeom>
-          <a:ln w="34925">
-            <a:solidFill>
-              <a:srgbClr val="C00000"/>
-            </a:solidFill>
-            <a:prstDash val="dash"/>
-            <a:headEnd type="arrow"/>
-            <a:tailEnd type="arrow"/>
-          </a:ln>
-        </p:spPr>
-        <p:style>
-          <a:lnRef idx="1">
-            <a:schemeClr val="accent1"/>
-          </a:lnRef>
-          <a:fillRef idx="0">
-            <a:schemeClr val="accent1"/>
-          </a:fillRef>
-          <a:effectRef idx="0">
-            <a:schemeClr val="accent1"/>
-          </a:effectRef>
-          <a:fontRef idx="minor">
-            <a:schemeClr val="tx1"/>
-          </a:fontRef>
-        </p:style>
-      </p:cxnSp>
-      <p:sp>
-        <p:nvSpPr>
-          <p:cNvPr id="46" name="TextBox 45"/>
-          <p:cNvSpPr txBox="1"/>
-          <p:nvPr/>
-        </p:nvSpPr>
-        <p:spPr>
-          <a:xfrm rot="5400000">
-            <a:off x="7880866" y="3777734"/>
-            <a:ext cx="1371600" cy="369332"/>
-          </a:xfrm>
-          <a:prstGeom prst="rect">
-            <a:avLst/>
-          </a:prstGeom>
-          <a:noFill/>
-        </p:spPr>
-        <p:txBody>
-          <a:bodyPr wrap="square" rtlCol="0">
-            <a:spAutoFit/>
-          </a:bodyPr>
-          <a:lstStyle/>
-          <a:p>
-            <a:pPr algn="ctr"/>
-            <a:r>
-              <a:rPr lang="en-US" dirty="0" smtClean="0"/>
-              <a:t>465 pixels</a:t>
-            </a:r>
-            <a:endParaRPr lang="en-US" dirty="0"/>
-          </a:p>
-        </p:txBody>
-      </p:sp>
-      <p:sp>
-        <p:nvSpPr>
-          <p:cNvPr id="47" name="TextBox 46"/>
-          <p:cNvSpPr txBox="1"/>
-          <p:nvPr/>
-        </p:nvSpPr>
-        <p:spPr>
-          <a:xfrm>
-            <a:off x="5867400" y="1230868"/>
-            <a:ext cx="1371600" cy="369332"/>
-          </a:xfrm>
-          <a:prstGeom prst="rect">
-            <a:avLst/>
-          </a:prstGeom>
-          <a:noFill/>
-        </p:spPr>
-        <p:txBody>
-          <a:bodyPr wrap="square" rtlCol="0">
-            <a:spAutoFit/>
-          </a:bodyPr>
-          <a:lstStyle/>
-          <a:p>
-            <a:pPr algn="ctr"/>
-            <a:r>
-              <a:rPr lang="en-US" dirty="0" smtClean="0"/>
-              <a:t>358 pixels</a:t>
+              <a:rPr lang="en-US" altLang="zh-TW" dirty="0" smtClean="0"/>
+              <a:t>(38, 146) </a:t>
             </a:r>
             <a:endParaRPr lang="en-US" dirty="0"/>
           </a:p>
@@ -4111,11 +3576,7 @@
             <a:pPr algn="l"/>
             <a:r>
               <a:rPr lang="en-US" sz="2400" dirty="0" smtClean="0"/>
-              <a:t>The pixel position for the reset button is at </a:t>
-            </a:r>
-            <a:r>
-              <a:rPr lang="en-US" sz="2400" smtClean="0"/>
-              <a:t>(width/2, 94)</a:t>
+              <a:t>The pixel position at the lowest right of these boxes is always at (width – 20, height – 19) </a:t>
             </a:r>
             <a:endParaRPr lang="en-US" sz="2400" dirty="0"/>
           </a:p>
@@ -4193,8 +3654,8 @@
         </p:nvCxnSpPr>
         <p:spPr>
           <a:xfrm flipH="1" flipV="1">
-            <a:off x="838200" y="2209800"/>
-            <a:ext cx="1524000" cy="609600"/>
+            <a:off x="762000" y="2667000"/>
+            <a:ext cx="838200" cy="457200"/>
           </a:xfrm>
           <a:prstGeom prst="straightConnector1">
             <a:avLst/>
@@ -4226,7 +3687,7 @@
         </p:nvSpPr>
         <p:spPr>
           <a:xfrm>
-            <a:off x="0" y="1905000"/>
+            <a:off x="0" y="2362200"/>
             <a:ext cx="990600" cy="381000"/>
           </a:xfrm>
           <a:prstGeom prst="rect">
@@ -4240,10 +3701,9 @@
           </a:bodyPr>
           <a:lstStyle/>
           <a:p>
-            <a:pPr algn="ctr"/>
             <a:r>
               <a:rPr lang="en-US" altLang="zh-TW" dirty="0" smtClean="0"/>
-              <a:t>(99, 94) </a:t>
+              <a:t>(19, 127) </a:t>
             </a:r>
             <a:endParaRPr lang="en-US" dirty="0"/>
           </a:p>
@@ -4258,7 +3718,7 @@
         <p:spPr>
           <a:xfrm flipH="1" flipV="1">
             <a:off x="4343400" y="1676400"/>
-            <a:ext cx="2133600" cy="914400"/>
+            <a:ext cx="609600" cy="1219200"/>
           </a:xfrm>
           <a:prstGeom prst="straightConnector1">
             <a:avLst/>
@@ -4291,7 +3751,7 @@
         <p:spPr>
           <a:xfrm>
             <a:off x="3581400" y="1371600"/>
-            <a:ext cx="990600" cy="369332"/>
+            <a:ext cx="990600" cy="381000"/>
           </a:xfrm>
           <a:prstGeom prst="rect">
             <a:avLst/>
@@ -4306,15 +3766,133 @@
           <a:p>
             <a:r>
               <a:rPr lang="en-US" altLang="zh-TW" dirty="0" smtClean="0"/>
-              <a:t>(</a:t>
-            </a:r>
+              <a:t>(19, 127) </a:t>
+            </a:r>
+            <a:endParaRPr lang="en-US" dirty="0"/>
+          </a:p>
+        </p:txBody>
+      </p:sp>
+      <p:cxnSp>
+        <p:nvCxnSpPr>
+          <p:cNvPr id="19" name="Straight Arrow Connector 18"/>
+          <p:cNvCxnSpPr/>
+          <p:nvPr/>
+        </p:nvCxnSpPr>
+        <p:spPr>
+          <a:xfrm>
+            <a:off x="3124200" y="4648200"/>
+            <a:ext cx="381000" cy="762000"/>
+          </a:xfrm>
+          <a:prstGeom prst="straightConnector1">
+            <a:avLst/>
+          </a:prstGeom>
+          <a:ln w="34925">
+            <a:tailEnd type="arrow"/>
+          </a:ln>
+        </p:spPr>
+        <p:style>
+          <a:lnRef idx="1">
+            <a:schemeClr val="accent1"/>
+          </a:lnRef>
+          <a:fillRef idx="0">
+            <a:schemeClr val="accent1"/>
+          </a:fillRef>
+          <a:effectRef idx="0">
+            <a:schemeClr val="accent1"/>
+          </a:effectRef>
+          <a:fontRef idx="minor">
+            <a:schemeClr val="tx1"/>
+          </a:fontRef>
+        </p:style>
+      </p:cxnSp>
+      <p:sp>
+        <p:nvSpPr>
+          <p:cNvPr id="22" name="TextBox 21"/>
+          <p:cNvSpPr txBox="1"/>
+          <p:nvPr/>
+        </p:nvSpPr>
+        <p:spPr>
+          <a:xfrm>
+            <a:off x="2895600" y="5334000"/>
+            <a:ext cx="1143000" cy="369332"/>
+          </a:xfrm>
+          <a:prstGeom prst="rect">
+            <a:avLst/>
+          </a:prstGeom>
+          <a:noFill/>
+        </p:spPr>
+        <p:txBody>
+          <a:bodyPr wrap="square" rtlCol="0">
+            <a:spAutoFit/>
+          </a:bodyPr>
+          <a:lstStyle/>
+          <a:p>
             <a:r>
               <a:rPr lang="en-US" altLang="zh-TW" dirty="0" smtClean="0"/>
-              <a:t>179</a:t>
-            </a:r>
+              <a:t>(178, 286) </a:t>
+            </a:r>
+            <a:endParaRPr lang="en-US" dirty="0"/>
+          </a:p>
+        </p:txBody>
+      </p:sp>
+      <p:cxnSp>
+        <p:nvCxnSpPr>
+          <p:cNvPr id="24" name="Straight Arrow Connector 23"/>
+          <p:cNvCxnSpPr/>
+          <p:nvPr/>
+        </p:nvCxnSpPr>
+        <p:spPr>
+          <a:xfrm>
+            <a:off x="8001000" y="5943600"/>
+            <a:ext cx="304800" cy="533400"/>
+          </a:xfrm>
+          <a:prstGeom prst="straightConnector1">
+            <a:avLst/>
+          </a:prstGeom>
+          <a:ln w="34925">
+            <a:tailEnd type="arrow"/>
+          </a:ln>
+        </p:spPr>
+        <p:style>
+          <a:lnRef idx="1">
+            <a:schemeClr val="accent1"/>
+          </a:lnRef>
+          <a:fillRef idx="0">
+            <a:schemeClr val="accent1"/>
+          </a:fillRef>
+          <a:effectRef idx="0">
+            <a:schemeClr val="accent1"/>
+          </a:effectRef>
+          <a:fontRef idx="minor">
+            <a:schemeClr val="tx1"/>
+          </a:fontRef>
+        </p:style>
+      </p:cxnSp>
+      <p:sp>
+        <p:nvSpPr>
+          <p:cNvPr id="25" name="TextBox 24"/>
+          <p:cNvSpPr txBox="1"/>
+          <p:nvPr/>
+        </p:nvSpPr>
+        <p:spPr>
+          <a:xfrm>
+            <a:off x="7924800" y="6400800"/>
+            <a:ext cx="1066800" cy="369332"/>
+          </a:xfrm>
+          <a:prstGeom prst="rect">
+            <a:avLst/>
+          </a:prstGeom>
+          <a:noFill/>
+        </p:spPr>
+        <p:txBody>
+          <a:bodyPr wrap="square" rtlCol="0">
+            <a:spAutoFit/>
+          </a:bodyPr>
+          <a:lstStyle/>
+          <a:p>
             <a:r>
               <a:rPr lang="en-US" altLang="zh-TW" dirty="0" smtClean="0"/>
-              <a:t>, 94) </a:t>
+              <a:t>(338, 446) </a:t>
             </a:r>
             <a:endParaRPr lang="en-US" dirty="0"/>
           </a:p>
@@ -4604,6 +4182,532 @@
 </file>
 
 <file path=ppt/slides/slide5.xml><?xml version="1.0" encoding="utf-8"?>
+<p:sld xmlns:a="http://schemas.openxmlformats.org/drawingml/2006/main" xmlns:r="http://schemas.openxmlformats.org/officeDocument/2006/relationships" xmlns:p="http://schemas.openxmlformats.org/presentationml/2006/main">
+  <p:cSld>
+    <p:spTree>
+      <p:nvGrpSpPr>
+        <p:cNvPr id="1" name=""/>
+        <p:cNvGrpSpPr/>
+        <p:nvPr/>
+      </p:nvGrpSpPr>
+      <p:grpSpPr>
+        <a:xfrm>
+          <a:off x="0" y="0"/>
+          <a:ext cx="0" cy="0"/>
+          <a:chOff x="0" y="0"/>
+          <a:chExt cx="0" cy="0"/>
+        </a:xfrm>
+      </p:grpSpPr>
+      <p:sp>
+        <p:nvSpPr>
+          <p:cNvPr id="2" name="Title 1"/>
+          <p:cNvSpPr>
+            <a:spLocks noGrp="1"/>
+          </p:cNvSpPr>
+          <p:nvPr>
+            <p:ph type="title"/>
+          </p:nvPr>
+        </p:nvSpPr>
+        <p:spPr>
+          <a:xfrm>
+            <a:off x="457200" y="274638"/>
+            <a:ext cx="8229600" cy="639762"/>
+          </a:xfrm>
+        </p:spPr>
+        <p:txBody>
+          <a:bodyPr>
+            <a:noAutofit/>
+          </a:bodyPr>
+          <a:lstStyle/>
+          <a:p>
+            <a:pPr algn="l"/>
+            <a:r>
+              <a:rPr lang="en-US" sz="2400" dirty="0" smtClean="0"/>
+              <a:t>The pixel position for the reset button is at </a:t>
+            </a:r>
+            <a:r>
+              <a:rPr lang="en-US" sz="2400" smtClean="0"/>
+              <a:t>(width/2, 94)</a:t>
+            </a:r>
+            <a:endParaRPr lang="en-US" sz="2400" dirty="0"/>
+          </a:p>
+        </p:txBody>
+      </p:sp>
+      <p:pic>
+        <p:nvPicPr>
+          <p:cNvPr id="2051" name="Picture 3"/>
+          <p:cNvPicPr>
+            <a:picLocks noChangeAspect="1" noChangeArrowheads="1"/>
+          </p:cNvPicPr>
+          <p:nvPr/>
+        </p:nvPicPr>
+        <p:blipFill>
+          <a:blip r:embed="rId2" cstate="print"/>
+          <a:srcRect/>
+          <a:stretch>
+            <a:fillRect/>
+          </a:stretch>
+        </p:blipFill>
+        <p:spPr bwMode="auto">
+          <a:xfrm>
+            <a:off x="1219200" y="1676400"/>
+            <a:ext cx="2144079" cy="3200399"/>
+          </a:xfrm>
+          <a:prstGeom prst="rect">
+            <a:avLst/>
+          </a:prstGeom>
+          <a:noFill/>
+          <a:ln w="9525">
+            <a:noFill/>
+            <a:miter lim="800000"/>
+            <a:headEnd/>
+            <a:tailEnd/>
+          </a:ln>
+        </p:spPr>
+      </p:pic>
+      <p:pic>
+        <p:nvPicPr>
+          <p:cNvPr id="2052" name="Picture 4"/>
+          <p:cNvPicPr>
+            <a:picLocks noChangeAspect="1" noChangeArrowheads="1"/>
+          </p:cNvPicPr>
+          <p:nvPr/>
+        </p:nvPicPr>
+        <p:blipFill>
+          <a:blip r:embed="rId3" cstate="print"/>
+          <a:srcRect/>
+          <a:stretch>
+            <a:fillRect/>
+          </a:stretch>
+        </p:blipFill>
+        <p:spPr bwMode="auto">
+          <a:xfrm>
+            <a:off x="4572000" y="1524000"/>
+            <a:ext cx="3670300" cy="4692650"/>
+          </a:xfrm>
+          <a:prstGeom prst="rect">
+            <a:avLst/>
+          </a:prstGeom>
+          <a:noFill/>
+          <a:ln w="9525">
+            <a:noFill/>
+            <a:miter lim="800000"/>
+            <a:headEnd/>
+            <a:tailEnd/>
+          </a:ln>
+        </p:spPr>
+      </p:pic>
+      <p:cxnSp>
+        <p:nvCxnSpPr>
+          <p:cNvPr id="9" name="Straight Arrow Connector 8"/>
+          <p:cNvCxnSpPr/>
+          <p:nvPr/>
+        </p:nvCxnSpPr>
+        <p:spPr>
+          <a:xfrm flipH="1" flipV="1">
+            <a:off x="838200" y="2209800"/>
+            <a:ext cx="1524000" cy="609600"/>
+          </a:xfrm>
+          <a:prstGeom prst="straightConnector1">
+            <a:avLst/>
+          </a:prstGeom>
+          <a:ln w="34925">
+            <a:tailEnd type="arrow"/>
+          </a:ln>
+        </p:spPr>
+        <p:style>
+          <a:lnRef idx="1">
+            <a:schemeClr val="accent1"/>
+          </a:lnRef>
+          <a:fillRef idx="0">
+            <a:schemeClr val="accent1"/>
+          </a:fillRef>
+          <a:effectRef idx="0">
+            <a:schemeClr val="accent1"/>
+          </a:effectRef>
+          <a:fontRef idx="minor">
+            <a:schemeClr val="tx1"/>
+          </a:fontRef>
+        </p:style>
+      </p:cxnSp>
+      <p:sp>
+        <p:nvSpPr>
+          <p:cNvPr id="10" name="TextBox 9"/>
+          <p:cNvSpPr txBox="1"/>
+          <p:nvPr/>
+        </p:nvSpPr>
+        <p:spPr>
+          <a:xfrm>
+            <a:off x="0" y="1905000"/>
+            <a:ext cx="990600" cy="381000"/>
+          </a:xfrm>
+          <a:prstGeom prst="rect">
+            <a:avLst/>
+          </a:prstGeom>
+          <a:noFill/>
+        </p:spPr>
+        <p:txBody>
+          <a:bodyPr wrap="square" rtlCol="0">
+            <a:spAutoFit/>
+          </a:bodyPr>
+          <a:lstStyle/>
+          <a:p>
+            <a:pPr algn="ctr"/>
+            <a:r>
+              <a:rPr lang="en-US" altLang="zh-TW" dirty="0" smtClean="0"/>
+              <a:t>(99, 94) </a:t>
+            </a:r>
+            <a:endParaRPr lang="en-US" dirty="0"/>
+          </a:p>
+        </p:txBody>
+      </p:sp>
+      <p:cxnSp>
+        <p:nvCxnSpPr>
+          <p:cNvPr id="15" name="Straight Arrow Connector 14"/>
+          <p:cNvCxnSpPr/>
+          <p:nvPr/>
+        </p:nvCxnSpPr>
+        <p:spPr>
+          <a:xfrm flipH="1" flipV="1">
+            <a:off x="4343400" y="1676400"/>
+            <a:ext cx="2133600" cy="914400"/>
+          </a:xfrm>
+          <a:prstGeom prst="straightConnector1">
+            <a:avLst/>
+          </a:prstGeom>
+          <a:ln w="34925">
+            <a:tailEnd type="arrow"/>
+          </a:ln>
+        </p:spPr>
+        <p:style>
+          <a:lnRef idx="1">
+            <a:schemeClr val="accent1"/>
+          </a:lnRef>
+          <a:fillRef idx="0">
+            <a:schemeClr val="accent1"/>
+          </a:fillRef>
+          <a:effectRef idx="0">
+            <a:schemeClr val="accent1"/>
+          </a:effectRef>
+          <a:fontRef idx="minor">
+            <a:schemeClr val="tx1"/>
+          </a:fontRef>
+        </p:style>
+      </p:cxnSp>
+      <p:sp>
+        <p:nvSpPr>
+          <p:cNvPr id="16" name="TextBox 15"/>
+          <p:cNvSpPr txBox="1"/>
+          <p:nvPr/>
+        </p:nvSpPr>
+        <p:spPr>
+          <a:xfrm>
+            <a:off x="3581400" y="1371600"/>
+            <a:ext cx="990600" cy="369332"/>
+          </a:xfrm>
+          <a:prstGeom prst="rect">
+            <a:avLst/>
+          </a:prstGeom>
+          <a:noFill/>
+        </p:spPr>
+        <p:txBody>
+          <a:bodyPr wrap="square" rtlCol="0">
+            <a:spAutoFit/>
+          </a:bodyPr>
+          <a:lstStyle/>
+          <a:p>
+            <a:r>
+              <a:rPr lang="en-US" altLang="zh-TW" dirty="0" smtClean="0"/>
+              <a:t>(179, 94) </a:t>
+            </a:r>
+            <a:endParaRPr lang="en-US" dirty="0"/>
+          </a:p>
+        </p:txBody>
+      </p:sp>
+      <p:cxnSp>
+        <p:nvCxnSpPr>
+          <p:cNvPr id="33" name="Straight Arrow Connector 32"/>
+          <p:cNvCxnSpPr/>
+          <p:nvPr/>
+        </p:nvCxnSpPr>
+        <p:spPr>
+          <a:xfrm>
+            <a:off x="3505200" y="1981200"/>
+            <a:ext cx="0" cy="2819400"/>
+          </a:xfrm>
+          <a:prstGeom prst="straightConnector1">
+            <a:avLst/>
+          </a:prstGeom>
+          <a:ln w="34925">
+            <a:solidFill>
+              <a:srgbClr val="C00000"/>
+            </a:solidFill>
+            <a:prstDash val="dash"/>
+            <a:headEnd type="arrow"/>
+            <a:tailEnd type="arrow"/>
+          </a:ln>
+        </p:spPr>
+        <p:style>
+          <a:lnRef idx="1">
+            <a:schemeClr val="accent1"/>
+          </a:lnRef>
+          <a:fillRef idx="0">
+            <a:schemeClr val="accent1"/>
+          </a:fillRef>
+          <a:effectRef idx="0">
+            <a:schemeClr val="accent1"/>
+          </a:effectRef>
+          <a:fontRef idx="minor">
+            <a:schemeClr val="tx1"/>
+          </a:fontRef>
+        </p:style>
+      </p:cxnSp>
+      <p:cxnSp>
+        <p:nvCxnSpPr>
+          <p:cNvPr id="34" name="Straight Arrow Connector 33"/>
+          <p:cNvCxnSpPr/>
+          <p:nvPr/>
+        </p:nvCxnSpPr>
+        <p:spPr>
+          <a:xfrm>
+            <a:off x="8382000" y="1752600"/>
+            <a:ext cx="0" cy="4343400"/>
+          </a:xfrm>
+          <a:prstGeom prst="straightConnector1">
+            <a:avLst/>
+          </a:prstGeom>
+          <a:ln w="34925">
+            <a:solidFill>
+              <a:srgbClr val="C00000"/>
+            </a:solidFill>
+            <a:prstDash val="dash"/>
+            <a:headEnd type="arrow"/>
+            <a:tailEnd type="arrow"/>
+          </a:ln>
+        </p:spPr>
+        <p:style>
+          <a:lnRef idx="1">
+            <a:schemeClr val="accent1"/>
+          </a:lnRef>
+          <a:fillRef idx="0">
+            <a:schemeClr val="accent1"/>
+          </a:fillRef>
+          <a:effectRef idx="0">
+            <a:schemeClr val="accent1"/>
+          </a:effectRef>
+          <a:fontRef idx="minor">
+            <a:schemeClr val="tx1"/>
+          </a:fontRef>
+        </p:style>
+      </p:cxnSp>
+      <p:sp>
+        <p:nvSpPr>
+          <p:cNvPr id="39" name="TextBox 38"/>
+          <p:cNvSpPr txBox="1"/>
+          <p:nvPr/>
+        </p:nvSpPr>
+        <p:spPr>
+          <a:xfrm rot="5400000">
+            <a:off x="3004066" y="3168134"/>
+            <a:ext cx="1371600" cy="369332"/>
+          </a:xfrm>
+          <a:prstGeom prst="rect">
+            <a:avLst/>
+          </a:prstGeom>
+          <a:noFill/>
+        </p:spPr>
+        <p:txBody>
+          <a:bodyPr wrap="square" rtlCol="0">
+            <a:spAutoFit/>
+          </a:bodyPr>
+          <a:lstStyle/>
+          <a:p>
+            <a:pPr algn="ctr"/>
+            <a:r>
+              <a:rPr lang="en-US" dirty="0" smtClean="0"/>
+              <a:t>305 pixels</a:t>
+            </a:r>
+            <a:endParaRPr lang="en-US" dirty="0"/>
+          </a:p>
+        </p:txBody>
+      </p:sp>
+      <p:cxnSp>
+        <p:nvCxnSpPr>
+          <p:cNvPr id="40" name="Straight Arrow Connector 39"/>
+          <p:cNvCxnSpPr/>
+          <p:nvPr/>
+        </p:nvCxnSpPr>
+        <p:spPr>
+          <a:xfrm flipH="1">
+            <a:off x="1447800" y="1828800"/>
+            <a:ext cx="1828800" cy="0"/>
+          </a:xfrm>
+          <a:prstGeom prst="straightConnector1">
+            <a:avLst/>
+          </a:prstGeom>
+          <a:ln w="34925">
+            <a:solidFill>
+              <a:srgbClr val="C00000"/>
+            </a:solidFill>
+            <a:prstDash val="dash"/>
+            <a:headEnd type="arrow"/>
+            <a:tailEnd type="arrow"/>
+          </a:ln>
+        </p:spPr>
+        <p:style>
+          <a:lnRef idx="1">
+            <a:schemeClr val="accent1"/>
+          </a:lnRef>
+          <a:fillRef idx="0">
+            <a:schemeClr val="accent1"/>
+          </a:fillRef>
+          <a:effectRef idx="0">
+            <a:schemeClr val="accent1"/>
+          </a:effectRef>
+          <a:fontRef idx="minor">
+            <a:schemeClr val="tx1"/>
+          </a:fontRef>
+        </p:style>
+      </p:cxnSp>
+      <p:sp>
+        <p:nvSpPr>
+          <p:cNvPr id="43" name="TextBox 42"/>
+          <p:cNvSpPr txBox="1"/>
+          <p:nvPr/>
+        </p:nvSpPr>
+        <p:spPr>
+          <a:xfrm>
+            <a:off x="1752600" y="1371600"/>
+            <a:ext cx="1219200" cy="369332"/>
+          </a:xfrm>
+          <a:prstGeom prst="rect">
+            <a:avLst/>
+          </a:prstGeom>
+          <a:noFill/>
+        </p:spPr>
+        <p:txBody>
+          <a:bodyPr wrap="square" rtlCol="0">
+            <a:spAutoFit/>
+          </a:bodyPr>
+          <a:lstStyle/>
+          <a:p>
+            <a:r>
+              <a:rPr lang="en-US" dirty="0" smtClean="0"/>
+              <a:t>198 pixels</a:t>
+            </a:r>
+            <a:endParaRPr lang="en-US" dirty="0"/>
+          </a:p>
+        </p:txBody>
+      </p:sp>
+      <p:cxnSp>
+        <p:nvCxnSpPr>
+          <p:cNvPr id="44" name="Straight Arrow Connector 43"/>
+          <p:cNvCxnSpPr/>
+          <p:nvPr/>
+        </p:nvCxnSpPr>
+        <p:spPr>
+          <a:xfrm flipH="1">
+            <a:off x="4800600" y="1600200"/>
+            <a:ext cx="3352800" cy="0"/>
+          </a:xfrm>
+          <a:prstGeom prst="straightConnector1">
+            <a:avLst/>
+          </a:prstGeom>
+          <a:ln w="34925">
+            <a:solidFill>
+              <a:srgbClr val="C00000"/>
+            </a:solidFill>
+            <a:prstDash val="dash"/>
+            <a:headEnd type="arrow"/>
+            <a:tailEnd type="arrow"/>
+          </a:ln>
+        </p:spPr>
+        <p:style>
+          <a:lnRef idx="1">
+            <a:schemeClr val="accent1"/>
+          </a:lnRef>
+          <a:fillRef idx="0">
+            <a:schemeClr val="accent1"/>
+          </a:fillRef>
+          <a:effectRef idx="0">
+            <a:schemeClr val="accent1"/>
+          </a:effectRef>
+          <a:fontRef idx="minor">
+            <a:schemeClr val="tx1"/>
+          </a:fontRef>
+        </p:style>
+      </p:cxnSp>
+      <p:sp>
+        <p:nvSpPr>
+          <p:cNvPr id="46" name="TextBox 45"/>
+          <p:cNvSpPr txBox="1"/>
+          <p:nvPr/>
+        </p:nvSpPr>
+        <p:spPr>
+          <a:xfrm rot="5400000">
+            <a:off x="7880866" y="3777734"/>
+            <a:ext cx="1371600" cy="369332"/>
+          </a:xfrm>
+          <a:prstGeom prst="rect">
+            <a:avLst/>
+          </a:prstGeom>
+          <a:noFill/>
+        </p:spPr>
+        <p:txBody>
+          <a:bodyPr wrap="square" rtlCol="0">
+            <a:spAutoFit/>
+          </a:bodyPr>
+          <a:lstStyle/>
+          <a:p>
+            <a:pPr algn="ctr"/>
+            <a:r>
+              <a:rPr lang="en-US" dirty="0" smtClean="0"/>
+              <a:t>465 pixels</a:t>
+            </a:r>
+            <a:endParaRPr lang="en-US" dirty="0"/>
+          </a:p>
+        </p:txBody>
+      </p:sp>
+      <p:sp>
+        <p:nvSpPr>
+          <p:cNvPr id="47" name="TextBox 46"/>
+          <p:cNvSpPr txBox="1"/>
+          <p:nvPr/>
+        </p:nvSpPr>
+        <p:spPr>
+          <a:xfrm>
+            <a:off x="5867400" y="1230868"/>
+            <a:ext cx="1371600" cy="369332"/>
+          </a:xfrm>
+          <a:prstGeom prst="rect">
+            <a:avLst/>
+          </a:prstGeom>
+          <a:noFill/>
+        </p:spPr>
+        <p:txBody>
+          <a:bodyPr wrap="square" rtlCol="0">
+            <a:spAutoFit/>
+          </a:bodyPr>
+          <a:lstStyle/>
+          <a:p>
+            <a:pPr algn="ctr"/>
+            <a:r>
+              <a:rPr lang="en-US" dirty="0" smtClean="0"/>
+              <a:t>358 pixels</a:t>
+            </a:r>
+            <a:endParaRPr lang="en-US" dirty="0"/>
+          </a:p>
+        </p:txBody>
+      </p:sp>
+    </p:spTree>
+  </p:cSld>
+  <p:clrMapOvr>
+    <a:masterClrMapping/>
+  </p:clrMapOvr>
+</p:sld>
+</file>
+
+<file path=ppt/slides/slide6.xml><?xml version="1.0" encoding="utf-8"?>
 <p:sld xmlns:a="http://schemas.openxmlformats.org/drawingml/2006/main" xmlns:r="http://schemas.openxmlformats.org/officeDocument/2006/relationships" xmlns:p="http://schemas.openxmlformats.org/presentationml/2006/main">
   <p:cSld>
     <p:spTree>
